--- a/docs/report_2_grp67.pptx
+++ b/docs/report_2_grp67.pptx
@@ -3902,10 +3902,10 @@
       </p:sp>
       <p:pic>
         <p:nvPicPr>
-          <p:cNvPr id="2" name="图片 1">
-            <a:extLst>
-              <a:ext uri="{FF2B5EF4-FFF2-40B4-BE49-F238E27FC236}">
-                <a16:creationId xmlns:a16="http://schemas.microsoft.com/office/drawing/2014/main" id="{AAD9130E-D605-42F8-9985-DA589F3DE26A}"/>
+          <p:cNvPr id="3" name="图片 2">
+            <a:extLst>
+              <a:ext uri="{FF2B5EF4-FFF2-40B4-BE49-F238E27FC236}">
+                <a16:creationId xmlns:a16="http://schemas.microsoft.com/office/drawing/2014/main" id="{53560653-B105-48B1-A3FB-A82705DA69CF}"/>
               </a:ext>
             </a:extLst>
           </p:cNvPr>
@@ -3922,8 +3922,8 @@
         </p:blipFill>
         <p:spPr>
           <a:xfrm>
-            <a:off x="937845" y="1055077"/>
-            <a:ext cx="10316308" cy="5802923"/>
+            <a:off x="942679" y="1060516"/>
+            <a:ext cx="10306639" cy="5797484"/>
           </a:xfrm>
           <a:prstGeom prst="rect">
             <a:avLst/>
@@ -4028,54 +4028,6 @@
             </a:endParaRPr>
           </a:p>
           <a:p>
-            <a:pPr lvl="1">
-              <a:lnSpc>
-                <a:spcPct val="110000"/>
-              </a:lnSpc>
-              <a:buFont typeface="Wingdings" panose="05000000000000000000" pitchFamily="2" charset="2"/>
-              <a:buChar char="n"/>
-            </a:pPr>
-            <a:r>
-              <a:rPr lang="zh-CN" altLang="en-US" dirty="0">
-                <a:latin typeface="宋体" panose="02010600030101010101" pitchFamily="2" charset="-122"/>
-                <a:ea typeface="宋体" panose="02010600030101010101" pitchFamily="2" charset="-122"/>
-              </a:rPr>
-              <a:t>线上测试</a:t>
-            </a:r>
-            <a:r>
-              <a:rPr lang="en-US" altLang="zh-CN" dirty="0">
-                <a:latin typeface="宋体" panose="02010600030101010101" pitchFamily="2" charset="-122"/>
-                <a:ea typeface="宋体" panose="02010600030101010101" pitchFamily="2" charset="-122"/>
-              </a:rPr>
-              <a:t>D2</a:t>
-            </a:r>
-            <a:r>
-              <a:rPr lang="zh-CN" altLang="en-US" dirty="0">
-                <a:latin typeface="宋体" panose="02010600030101010101" pitchFamily="2" charset="-122"/>
-                <a:ea typeface="宋体" panose="02010600030101010101" pitchFamily="2" charset="-122"/>
-              </a:rPr>
-              <a:t>部分有一定概率不通过，</a:t>
-            </a:r>
-            <a:r>
-              <a:rPr lang="en-US" altLang="zh-CN" dirty="0">
-                <a:latin typeface="宋体" panose="02010600030101010101" pitchFamily="2" charset="-122"/>
-                <a:ea typeface="宋体" panose="02010600030101010101" pitchFamily="2" charset="-122"/>
-              </a:rPr>
-              <a:t>UART</a:t>
-            </a:r>
-            <a:r>
-              <a:rPr lang="zh-CN" altLang="en-US" dirty="0">
-                <a:latin typeface="宋体" panose="02010600030101010101" pitchFamily="2" charset="-122"/>
-                <a:ea typeface="宋体" panose="02010600030101010101" pitchFamily="2" charset="-122"/>
-              </a:rPr>
-              <a:t>写状态位可能存在问题；</a:t>
-            </a:r>
-            <a:endParaRPr lang="en-US" altLang="zh-CN" dirty="0">
-              <a:latin typeface="宋体" panose="02010600030101010101" pitchFamily="2" charset="-122"/>
-              <a:ea typeface="宋体" panose="02010600030101010101" pitchFamily="2" charset="-122"/>
-            </a:endParaRPr>
-          </a:p>
-          <a:p>
             <a:pPr>
               <a:lnSpc>
                 <a:spcPct val="110000"/>
@@ -4504,52 +4456,14 @@
               <a:defRPr/>
             </a:pPr>
             <a:r>
-              <a:rPr kumimoji="0" lang="zh-CN" altLang="en-US" sz="2400" b="0" i="0" u="none" strike="noStrike" kern="1200" cap="none" spc="0" normalizeH="0" baseline="0" noProof="0" dirty="0">
-                <a:ln>
-                  <a:noFill/>
-                </a:ln>
+              <a:rPr lang="zh-CN" altLang="en-US" dirty="0">
                 <a:solidFill>
                   <a:prstClr val="black"/>
                 </a:solidFill>
-                <a:effectLst/>
-                <a:uLnTx/>
-                <a:uFillTx/>
-                <a:latin typeface="宋体" panose="02010600030101010101" pitchFamily="2" charset="-122"/>
-                <a:ea typeface="宋体" panose="02010600030101010101" pitchFamily="2" charset="-122"/>
-              </a:rPr>
-              <a:t>解决</a:t>
-            </a:r>
-            <a:r>
-              <a:rPr kumimoji="0" lang="en-US" altLang="zh-CN" sz="2400" b="0" i="0" u="none" strike="noStrike" kern="1200" cap="none" spc="0" normalizeH="0" baseline="0" noProof="0" dirty="0">
-                <a:ln>
-                  <a:noFill/>
-                </a:ln>
-                <a:solidFill>
-                  <a:prstClr val="black"/>
-                </a:solidFill>
-                <a:effectLst/>
-                <a:uLnTx/>
-                <a:uFillTx/>
-                <a:latin typeface="宋体" panose="02010600030101010101" pitchFamily="2" charset="-122"/>
-                <a:ea typeface="宋体" panose="02010600030101010101" pitchFamily="2" charset="-122"/>
-              </a:rPr>
-              <a:t>UART</a:t>
-            </a:r>
-            <a:r>
-              <a:rPr kumimoji="0" lang="zh-CN" altLang="en-US" sz="2400" b="0" i="0" u="none" strike="noStrike" kern="1200" cap="none" spc="0" normalizeH="0" baseline="0" noProof="0" dirty="0">
-                <a:ln>
-                  <a:noFill/>
-                </a:ln>
-                <a:solidFill>
-                  <a:prstClr val="black"/>
-                </a:solidFill>
-                <a:effectLst/>
-                <a:uLnTx/>
-                <a:uFillTx/>
-                <a:latin typeface="宋体" panose="02010600030101010101" pitchFamily="2" charset="-122"/>
-                <a:ea typeface="宋体" panose="02010600030101010101" pitchFamily="2" charset="-122"/>
-              </a:rPr>
-              <a:t>不稳定的问题，同时修改</a:t>
+                <a:latin typeface="宋体" panose="02010600030101010101" pitchFamily="2" charset="-122"/>
+                <a:ea typeface="宋体" panose="02010600030101010101" pitchFamily="2" charset="-122"/>
+              </a:rPr>
+              <a:t>把</a:t>
             </a:r>
             <a:r>
               <a:rPr lang="en-US" altLang="zh-CN" dirty="0">
@@ -4569,7 +4483,27 @@
                 <a:latin typeface="宋体" panose="02010600030101010101" pitchFamily="2" charset="-122"/>
                 <a:ea typeface="宋体" panose="02010600030101010101" pitchFamily="2" charset="-122"/>
               </a:rPr>
-              <a:t>代码，为页表编写做准备</a:t>
+              <a:t>中数周期的方式改为等</a:t>
+            </a:r>
+            <a:r>
+              <a:rPr lang="en-US" altLang="zh-CN" dirty="0">
+                <a:solidFill>
+                  <a:prstClr val="black"/>
+                </a:solidFill>
+                <a:latin typeface="宋体" panose="02010600030101010101" pitchFamily="2" charset="-122"/>
+                <a:ea typeface="宋体" panose="02010600030101010101" pitchFamily="2" charset="-122"/>
+              </a:rPr>
+              <a:t>done</a:t>
+            </a:r>
+            <a:r>
+              <a:rPr lang="zh-CN" altLang="en-US" dirty="0">
+                <a:solidFill>
+                  <a:prstClr val="black"/>
+                </a:solidFill>
+                <a:latin typeface="宋体" panose="02010600030101010101" pitchFamily="2" charset="-122"/>
+                <a:ea typeface="宋体" panose="02010600030101010101" pitchFamily="2" charset="-122"/>
+              </a:rPr>
+              <a:t>信号的方式，为页表部分做准备</a:t>
             </a:r>
             <a:r>
               <a:rPr kumimoji="0" lang="zh-CN" altLang="en-US" sz="2400" b="0" i="0" u="none" strike="noStrike" kern="1200" cap="none" spc="0" normalizeH="0" baseline="0" noProof="0" dirty="0">
@@ -4754,7 +4688,33 @@
                 <a:latin typeface="宋体" panose="02010600030101010101" pitchFamily="2" charset="-122"/>
                 <a:ea typeface="宋体" panose="02010600030101010101" pitchFamily="2" charset="-122"/>
               </a:rPr>
-              <a:t>编写测试程序，辅助调试中断与异常部分代码；</a:t>
+              <a:t>编写测试程序，</a:t>
+            </a:r>
+            <a:r>
+              <a:rPr lang="zh-CN" altLang="en-US" dirty="0">
+                <a:solidFill>
+                  <a:prstClr val="black"/>
+                </a:solidFill>
+                <a:latin typeface="宋体" panose="02010600030101010101" pitchFamily="2" charset="-122"/>
+                <a:ea typeface="宋体" panose="02010600030101010101" pitchFamily="2" charset="-122"/>
+              </a:rPr>
+              <a:t>帮助</a:t>
+            </a:r>
+            <a:r>
+              <a:rPr kumimoji="0" lang="zh-CN" altLang="en-US" sz="2400" b="0" i="0" u="none" strike="noStrike" kern="1200" cap="none" spc="0" normalizeH="0" baseline="0" noProof="0" dirty="0">
+                <a:ln>
+                  <a:noFill/>
+                </a:ln>
+                <a:solidFill>
+                  <a:prstClr val="black"/>
+                </a:solidFill>
+                <a:effectLst/>
+                <a:uLnTx/>
+                <a:uFillTx/>
+                <a:latin typeface="宋体" panose="02010600030101010101" pitchFamily="2" charset="-122"/>
+                <a:ea typeface="宋体" panose="02010600030101010101" pitchFamily="2" charset="-122"/>
+              </a:rPr>
+              <a:t>调试中断与异常部分代码；</a:t>
             </a:r>
             <a:endParaRPr kumimoji="0" lang="en-US" altLang="zh-CN" sz="2400" b="0" i="0" u="none" strike="noStrike" kern="1200" cap="none" spc="0" normalizeH="0" baseline="0" noProof="0" dirty="0">
               <a:ln>
